--- a/7_figure/choix-acquisition.pptx
+++ b/7_figure/choix-acquisition.pptx
@@ -243,7 +243,7 @@
           <a:p>
             <a:fld id="{BA0033A8-BEC1-4CFD-9BE5-120AFB6392E4}" type="datetimeFigureOut">
               <a:rPr lang="fr-CH" smtClean="0"/>
-              <a:t>18.07.2018</a:t>
+              <a:t>24.07.2018</a:t>
             </a:fld>
             <a:endParaRPr lang="fr-CH"/>
           </a:p>
@@ -413,7 +413,7 @@
           <a:p>
             <a:fld id="{BA0033A8-BEC1-4CFD-9BE5-120AFB6392E4}" type="datetimeFigureOut">
               <a:rPr lang="fr-CH" smtClean="0"/>
-              <a:t>18.07.2018</a:t>
+              <a:t>24.07.2018</a:t>
             </a:fld>
             <a:endParaRPr lang="fr-CH"/>
           </a:p>
@@ -593,7 +593,7 @@
           <a:p>
             <a:fld id="{BA0033A8-BEC1-4CFD-9BE5-120AFB6392E4}" type="datetimeFigureOut">
               <a:rPr lang="fr-CH" smtClean="0"/>
-              <a:t>18.07.2018</a:t>
+              <a:t>24.07.2018</a:t>
             </a:fld>
             <a:endParaRPr lang="fr-CH"/>
           </a:p>
@@ -763,7 +763,7 @@
           <a:p>
             <a:fld id="{BA0033A8-BEC1-4CFD-9BE5-120AFB6392E4}" type="datetimeFigureOut">
               <a:rPr lang="fr-CH" smtClean="0"/>
-              <a:t>18.07.2018</a:t>
+              <a:t>24.07.2018</a:t>
             </a:fld>
             <a:endParaRPr lang="fr-CH"/>
           </a:p>
@@ -1009,7 +1009,7 @@
           <a:p>
             <a:fld id="{BA0033A8-BEC1-4CFD-9BE5-120AFB6392E4}" type="datetimeFigureOut">
               <a:rPr lang="fr-CH" smtClean="0"/>
-              <a:t>18.07.2018</a:t>
+              <a:t>24.07.2018</a:t>
             </a:fld>
             <a:endParaRPr lang="fr-CH"/>
           </a:p>
@@ -1241,7 +1241,7 @@
           <a:p>
             <a:fld id="{BA0033A8-BEC1-4CFD-9BE5-120AFB6392E4}" type="datetimeFigureOut">
               <a:rPr lang="fr-CH" smtClean="0"/>
-              <a:t>18.07.2018</a:t>
+              <a:t>24.07.2018</a:t>
             </a:fld>
             <a:endParaRPr lang="fr-CH"/>
           </a:p>
@@ -1608,7 +1608,7 @@
           <a:p>
             <a:fld id="{BA0033A8-BEC1-4CFD-9BE5-120AFB6392E4}" type="datetimeFigureOut">
               <a:rPr lang="fr-CH" smtClean="0"/>
-              <a:t>18.07.2018</a:t>
+              <a:t>24.07.2018</a:t>
             </a:fld>
             <a:endParaRPr lang="fr-CH"/>
           </a:p>
@@ -1726,7 +1726,7 @@
           <a:p>
             <a:fld id="{BA0033A8-BEC1-4CFD-9BE5-120AFB6392E4}" type="datetimeFigureOut">
               <a:rPr lang="fr-CH" smtClean="0"/>
-              <a:t>18.07.2018</a:t>
+              <a:t>24.07.2018</a:t>
             </a:fld>
             <a:endParaRPr lang="fr-CH"/>
           </a:p>
@@ -1821,7 +1821,7 @@
           <a:p>
             <a:fld id="{BA0033A8-BEC1-4CFD-9BE5-120AFB6392E4}" type="datetimeFigureOut">
               <a:rPr lang="fr-CH" smtClean="0"/>
-              <a:t>18.07.2018</a:t>
+              <a:t>24.07.2018</a:t>
             </a:fld>
             <a:endParaRPr lang="fr-CH"/>
           </a:p>
@@ -2098,7 +2098,7 @@
           <a:p>
             <a:fld id="{BA0033A8-BEC1-4CFD-9BE5-120AFB6392E4}" type="datetimeFigureOut">
               <a:rPr lang="fr-CH" smtClean="0"/>
-              <a:t>18.07.2018</a:t>
+              <a:t>24.07.2018</a:t>
             </a:fld>
             <a:endParaRPr lang="fr-CH"/>
           </a:p>
@@ -2355,7 +2355,7 @@
           <a:p>
             <a:fld id="{BA0033A8-BEC1-4CFD-9BE5-120AFB6392E4}" type="datetimeFigureOut">
               <a:rPr lang="fr-CH" smtClean="0"/>
-              <a:t>18.07.2018</a:t>
+              <a:t>24.07.2018</a:t>
             </a:fld>
             <a:endParaRPr lang="fr-CH"/>
           </a:p>
@@ -2568,7 +2568,7 @@
           <a:p>
             <a:fld id="{BA0033A8-BEC1-4CFD-9BE5-120AFB6392E4}" type="datetimeFigureOut">
               <a:rPr lang="fr-CH" smtClean="0"/>
-              <a:t>18.07.2018</a:t>
+              <a:t>24.07.2018</a:t>
             </a:fld>
             <a:endParaRPr lang="fr-CH"/>
           </a:p>
@@ -3599,15 +3599,7 @@
                   <a:schemeClr val="tx1"/>
                 </a:solidFill>
               </a:rPr>
-              <a:t>dans</a:t>
-            </a:r>
-            <a:r>
-              <a:rPr lang="fr-CH" sz="1200" dirty="0" smtClean="0">
-                <a:solidFill>
-                  <a:schemeClr val="tx1"/>
-                </a:solidFill>
-              </a:rPr>
-              <a:t> </a:t>
+              <a:t>dans </a:t>
             </a:r>
             <a:r>
               <a:rPr lang="fr-CH" sz="1200" dirty="0" err="1" smtClean="0">
